--- a/提出（学生が出す）ー岡本/PM/17834 khimu/NEPALI FOODS.pptx
+++ b/提出（学生が出す）ー岡本/PM/17834 khimu/NEPALI FOODS.pptx
@@ -10,6 +10,7 @@
     <p:sldId id="258" r:id="rId4"/>
     <p:sldId id="259" r:id="rId5"/>
     <p:sldId id="260" r:id="rId6"/>
+    <p:sldId id="261" r:id="rId7"/>
   </p:sldIdLst>
   <p:sldSz cx="12192000" cy="6858000"/>
   <p:notesSz cx="6858000" cy="9144000"/>
@@ -247,7 +248,7 @@
           <a:p>
             <a:fld id="{EF66371D-ABC2-45E9-B85A-8752A4EF3219}" type="datetimeFigureOut">
               <a:rPr kumimoji="1" lang="ja-JP" altLang="en-US" smtClean="0"/>
-              <a:t>2019/10/24</a:t>
+              <a:t>2019/11/5</a:t>
             </a:fld>
             <a:endParaRPr kumimoji="1" lang="ja-JP" altLang="en-US"/>
           </a:p>
@@ -449,7 +450,7 @@
           <a:p>
             <a:fld id="{EF66371D-ABC2-45E9-B85A-8752A4EF3219}" type="datetimeFigureOut">
               <a:rPr kumimoji="1" lang="ja-JP" altLang="en-US" smtClean="0"/>
-              <a:t>2019/10/24</a:t>
+              <a:t>2019/11/5</a:t>
             </a:fld>
             <a:endParaRPr kumimoji="1" lang="ja-JP" altLang="en-US"/>
           </a:p>
@@ -661,7 +662,7 @@
           <a:p>
             <a:fld id="{EF66371D-ABC2-45E9-B85A-8752A4EF3219}" type="datetimeFigureOut">
               <a:rPr kumimoji="1" lang="ja-JP" altLang="en-US" smtClean="0"/>
-              <a:t>2019/10/24</a:t>
+              <a:t>2019/11/5</a:t>
             </a:fld>
             <a:endParaRPr kumimoji="1" lang="ja-JP" altLang="en-US"/>
           </a:p>
@@ -863,7 +864,7 @@
           <a:p>
             <a:fld id="{EF66371D-ABC2-45E9-B85A-8752A4EF3219}" type="datetimeFigureOut">
               <a:rPr kumimoji="1" lang="ja-JP" altLang="en-US" smtClean="0"/>
-              <a:t>2019/10/24</a:t>
+              <a:t>2019/11/5</a:t>
             </a:fld>
             <a:endParaRPr kumimoji="1" lang="ja-JP" altLang="en-US"/>
           </a:p>
@@ -1109,7 +1110,7 @@
           <a:p>
             <a:fld id="{EF66371D-ABC2-45E9-B85A-8752A4EF3219}" type="datetimeFigureOut">
               <a:rPr kumimoji="1" lang="ja-JP" altLang="en-US" smtClean="0"/>
-              <a:t>2019/10/24</a:t>
+              <a:t>2019/11/5</a:t>
             </a:fld>
             <a:endParaRPr kumimoji="1" lang="ja-JP" altLang="en-US"/>
           </a:p>
@@ -1405,7 +1406,7 @@
           <a:p>
             <a:fld id="{EF66371D-ABC2-45E9-B85A-8752A4EF3219}" type="datetimeFigureOut">
               <a:rPr kumimoji="1" lang="ja-JP" altLang="en-US" smtClean="0"/>
-              <a:t>2019/10/24</a:t>
+              <a:t>2019/11/5</a:t>
             </a:fld>
             <a:endParaRPr kumimoji="1" lang="ja-JP" altLang="en-US"/>
           </a:p>
@@ -1836,7 +1837,7 @@
           <a:p>
             <a:fld id="{EF66371D-ABC2-45E9-B85A-8752A4EF3219}" type="datetimeFigureOut">
               <a:rPr kumimoji="1" lang="ja-JP" altLang="en-US" smtClean="0"/>
-              <a:t>2019/10/24</a:t>
+              <a:t>2019/11/5</a:t>
             </a:fld>
             <a:endParaRPr kumimoji="1" lang="ja-JP" altLang="en-US"/>
           </a:p>
@@ -1954,7 +1955,7 @@
           <a:p>
             <a:fld id="{EF66371D-ABC2-45E9-B85A-8752A4EF3219}" type="datetimeFigureOut">
               <a:rPr kumimoji="1" lang="ja-JP" altLang="en-US" smtClean="0"/>
-              <a:t>2019/10/24</a:t>
+              <a:t>2019/11/5</a:t>
             </a:fld>
             <a:endParaRPr kumimoji="1" lang="ja-JP" altLang="en-US"/>
           </a:p>
@@ -2049,7 +2050,7 @@
           <a:p>
             <a:fld id="{EF66371D-ABC2-45E9-B85A-8752A4EF3219}" type="datetimeFigureOut">
               <a:rPr kumimoji="1" lang="ja-JP" altLang="en-US" smtClean="0"/>
-              <a:t>2019/10/24</a:t>
+              <a:t>2019/11/5</a:t>
             </a:fld>
             <a:endParaRPr kumimoji="1" lang="ja-JP" altLang="en-US"/>
           </a:p>
@@ -2358,7 +2359,7 @@
           <a:p>
             <a:fld id="{EF66371D-ABC2-45E9-B85A-8752A4EF3219}" type="datetimeFigureOut">
               <a:rPr kumimoji="1" lang="ja-JP" altLang="en-US" smtClean="0"/>
-              <a:t>2019/10/24</a:t>
+              <a:t>2019/11/5</a:t>
             </a:fld>
             <a:endParaRPr kumimoji="1" lang="ja-JP" altLang="en-US"/>
           </a:p>
@@ -2611,7 +2612,7 @@
           <a:p>
             <a:fld id="{EF66371D-ABC2-45E9-B85A-8752A4EF3219}" type="datetimeFigureOut">
               <a:rPr kumimoji="1" lang="ja-JP" altLang="en-US" smtClean="0"/>
-              <a:t>2019/10/24</a:t>
+              <a:t>2019/11/5</a:t>
             </a:fld>
             <a:endParaRPr kumimoji="1" lang="ja-JP" altLang="en-US"/>
           </a:p>
@@ -2856,7 +2857,7 @@
           <a:p>
             <a:fld id="{EF66371D-ABC2-45E9-B85A-8752A4EF3219}" type="datetimeFigureOut">
               <a:rPr kumimoji="1" lang="ja-JP" altLang="en-US" smtClean="0"/>
-              <a:t>2019/10/24</a:t>
+              <a:t>2019/11/5</a:t>
             </a:fld>
             <a:endParaRPr kumimoji="1" lang="ja-JP" altLang="en-US"/>
           </a:p>
@@ -4653,7 +4654,7 @@
         </p:blipFill>
         <p:spPr>
           <a:xfrm>
-            <a:off x="1219201" y="274320"/>
+            <a:off x="1219201" y="246611"/>
             <a:ext cx="9590011" cy="6300000"/>
           </a:xfrm>
           <a:prstGeom prst="rect">
@@ -4665,6 +4666,96 @@
     <p:extLst>
       <p:ext uri="{BB962C8B-B14F-4D97-AF65-F5344CB8AC3E}">
         <p14:creationId xmlns:p14="http://schemas.microsoft.com/office/powerpoint/2010/main" val="78779784"/>
+      </p:ext>
+    </p:extLst>
+  </p:cSld>
+  <p:clrMapOvr>
+    <a:masterClrMapping/>
+  </p:clrMapOvr>
+</p:sld>
+</file>
+
+<file path=ppt/slides/slide6.xml><?xml version="1.0" encoding="utf-8"?>
+<p:sld xmlns:a="http://schemas.openxmlformats.org/drawingml/2006/main" xmlns:r="http://schemas.openxmlformats.org/officeDocument/2006/relationships" xmlns:p="http://schemas.openxmlformats.org/presentationml/2006/main">
+  <p:cSld>
+    <p:spTree>
+      <p:nvGrpSpPr>
+        <p:cNvPr id="1" name=""/>
+        <p:cNvGrpSpPr/>
+        <p:nvPr/>
+      </p:nvGrpSpPr>
+      <p:grpSpPr>
+        <a:xfrm>
+          <a:off x="0" y="0"/>
+          <a:ext cx="0" cy="0"/>
+          <a:chOff x="0" y="0"/>
+          <a:chExt cx="0" cy="0"/>
+        </a:xfrm>
+      </p:grpSpPr>
+      <p:pic>
+        <p:nvPicPr>
+          <p:cNvPr id="3" name="図 2"/>
+          <p:cNvPicPr>
+            <a:picLocks noChangeAspect="1"/>
+          </p:cNvPicPr>
+          <p:nvPr/>
+        </p:nvPicPr>
+        <p:blipFill>
+          <a:blip r:embed="rId2">
+            <a:extLst>
+              <a:ext uri="{28A0092B-C50C-407E-A947-70E740481C1C}">
+                <a14:useLocalDpi xmlns:a14="http://schemas.microsoft.com/office/drawing/2010/main" val="0"/>
+              </a:ext>
+            </a:extLst>
+          </a:blip>
+          <a:stretch>
+            <a:fillRect/>
+          </a:stretch>
+        </p:blipFill>
+        <p:spPr>
+          <a:xfrm>
+            <a:off x="1025237" y="1454728"/>
+            <a:ext cx="9365672" cy="5403272"/>
+          </a:xfrm>
+          <a:prstGeom prst="rect">
+            <a:avLst/>
+          </a:prstGeom>
+        </p:spPr>
+      </p:pic>
+      <p:pic>
+        <p:nvPicPr>
+          <p:cNvPr id="5" name="図 4"/>
+          <p:cNvPicPr>
+            <a:picLocks noChangeAspect="1"/>
+          </p:cNvPicPr>
+          <p:nvPr/>
+        </p:nvPicPr>
+        <p:blipFill>
+          <a:blip r:embed="rId3">
+            <a:extLst>
+              <a:ext uri="{28A0092B-C50C-407E-A947-70E740481C1C}">
+                <a14:useLocalDpi xmlns:a14="http://schemas.microsoft.com/office/drawing/2010/main" val="0"/>
+              </a:ext>
+            </a:extLst>
+          </a:blip>
+          <a:stretch>
+            <a:fillRect/>
+          </a:stretch>
+        </p:blipFill>
+        <p:spPr>
+          <a:xfrm>
+            <a:off x="1025237" y="127002"/>
+            <a:ext cx="9365672" cy="1327726"/>
+          </a:xfrm>
+          <a:prstGeom prst="rect">
+            <a:avLst/>
+          </a:prstGeom>
+        </p:spPr>
+      </p:pic>
+    </p:spTree>
+    <p:extLst>
+      <p:ext uri="{BB962C8B-B14F-4D97-AF65-F5344CB8AC3E}">
+        <p14:creationId xmlns:p14="http://schemas.microsoft.com/office/powerpoint/2010/main" val="1579832003"/>
       </p:ext>
     </p:extLst>
   </p:cSld>
